--- a/figures/figures.pptx
+++ b/figures/figures.pptx
@@ -8,6 +8,9 @@
     <p:sldId id="256" r:id="rId2"/>
     <p:sldId id="257" r:id="rId3"/>
     <p:sldId id="258" r:id="rId4"/>
+    <p:sldId id="261" r:id="rId5"/>
+    <p:sldId id="259" r:id="rId6"/>
+    <p:sldId id="260" r:id="rId7"/>
   </p:sldIdLst>
   <p:sldSz cx="12192000" cy="6858000"/>
   <p:notesSz cx="6858000" cy="9144000"/>
@@ -106,6 +109,11 @@
       </a:defRPr>
     </a:lvl9pPr>
   </p:defaultTextStyle>
+  <p:extLst>
+    <p:ext uri="{EFAFB233-063F-42B5-8137-9DF3F51BA10A}">
+      <p15:sldGuideLst xmlns:p15="http://schemas.microsoft.com/office/powerpoint/2012/main"/>
+    </p:ext>
+  </p:extLst>
 </p:presentation>
 </file>
 
@@ -258,7 +266,7 @@
           <a:p>
             <a:fld id="{BF73D9C4-3BB7-45A0-ADB6-709835E05379}" type="datetimeFigureOut">
               <a:rPr lang="LID4096" smtClean="0"/>
-              <a:t>08/09/2019</a:t>
+              <a:t>08/11/2019</a:t>
             </a:fld>
             <a:endParaRPr lang="LID4096"/>
           </a:p>
@@ -458,7 +466,7 @@
           <a:p>
             <a:fld id="{BF73D9C4-3BB7-45A0-ADB6-709835E05379}" type="datetimeFigureOut">
               <a:rPr lang="LID4096" smtClean="0"/>
-              <a:t>08/09/2019</a:t>
+              <a:t>08/11/2019</a:t>
             </a:fld>
             <a:endParaRPr lang="LID4096"/>
           </a:p>
@@ -668,7 +676,7 @@
           <a:p>
             <a:fld id="{BF73D9C4-3BB7-45A0-ADB6-709835E05379}" type="datetimeFigureOut">
               <a:rPr lang="LID4096" smtClean="0"/>
-              <a:t>08/09/2019</a:t>
+              <a:t>08/11/2019</a:t>
             </a:fld>
             <a:endParaRPr lang="LID4096"/>
           </a:p>
@@ -868,7 +876,7 @@
           <a:p>
             <a:fld id="{BF73D9C4-3BB7-45A0-ADB6-709835E05379}" type="datetimeFigureOut">
               <a:rPr lang="LID4096" smtClean="0"/>
-              <a:t>08/09/2019</a:t>
+              <a:t>08/11/2019</a:t>
             </a:fld>
             <a:endParaRPr lang="LID4096"/>
           </a:p>
@@ -1144,7 +1152,7 @@
           <a:p>
             <a:fld id="{BF73D9C4-3BB7-45A0-ADB6-709835E05379}" type="datetimeFigureOut">
               <a:rPr lang="LID4096" smtClean="0"/>
-              <a:t>08/09/2019</a:t>
+              <a:t>08/11/2019</a:t>
             </a:fld>
             <a:endParaRPr lang="LID4096"/>
           </a:p>
@@ -1412,7 +1420,7 @@
           <a:p>
             <a:fld id="{BF73D9C4-3BB7-45A0-ADB6-709835E05379}" type="datetimeFigureOut">
               <a:rPr lang="LID4096" smtClean="0"/>
-              <a:t>08/09/2019</a:t>
+              <a:t>08/11/2019</a:t>
             </a:fld>
             <a:endParaRPr lang="LID4096"/>
           </a:p>
@@ -1827,7 +1835,7 @@
           <a:p>
             <a:fld id="{BF73D9C4-3BB7-45A0-ADB6-709835E05379}" type="datetimeFigureOut">
               <a:rPr lang="LID4096" smtClean="0"/>
-              <a:t>08/09/2019</a:t>
+              <a:t>08/11/2019</a:t>
             </a:fld>
             <a:endParaRPr lang="LID4096"/>
           </a:p>
@@ -1969,7 +1977,7 @@
           <a:p>
             <a:fld id="{BF73D9C4-3BB7-45A0-ADB6-709835E05379}" type="datetimeFigureOut">
               <a:rPr lang="LID4096" smtClean="0"/>
-              <a:t>08/09/2019</a:t>
+              <a:t>08/11/2019</a:t>
             </a:fld>
             <a:endParaRPr lang="LID4096"/>
           </a:p>
@@ -2082,7 +2090,7 @@
           <a:p>
             <a:fld id="{BF73D9C4-3BB7-45A0-ADB6-709835E05379}" type="datetimeFigureOut">
               <a:rPr lang="LID4096" smtClean="0"/>
-              <a:t>08/09/2019</a:t>
+              <a:t>08/11/2019</a:t>
             </a:fld>
             <a:endParaRPr lang="LID4096"/>
           </a:p>
@@ -2395,7 +2403,7 @@
           <a:p>
             <a:fld id="{BF73D9C4-3BB7-45A0-ADB6-709835E05379}" type="datetimeFigureOut">
               <a:rPr lang="LID4096" smtClean="0"/>
-              <a:t>08/09/2019</a:t>
+              <a:t>08/11/2019</a:t>
             </a:fld>
             <a:endParaRPr lang="LID4096"/>
           </a:p>
@@ -2684,7 +2692,7 @@
           <a:p>
             <a:fld id="{BF73D9C4-3BB7-45A0-ADB6-709835E05379}" type="datetimeFigureOut">
               <a:rPr lang="LID4096" smtClean="0"/>
-              <a:t>08/09/2019</a:t>
+              <a:t>08/11/2019</a:t>
             </a:fld>
             <a:endParaRPr lang="LID4096"/>
           </a:p>
@@ -2927,7 +2935,7 @@
           <a:p>
             <a:fld id="{BF73D9C4-3BB7-45A0-ADB6-709835E05379}" type="datetimeFigureOut">
               <a:rPr lang="LID4096" smtClean="0"/>
-              <a:t>08/09/2019</a:t>
+              <a:t>08/11/2019</a:t>
             </a:fld>
             <a:endParaRPr lang="LID4096"/>
           </a:p>
@@ -3699,6 +3707,654 @@
 </p:sld>
 </file>
 
+<file path=ppt/slides/slide4.xml><?xml version="1.0" encoding="utf-8"?>
+<p:sld xmlns:a="http://schemas.openxmlformats.org/drawingml/2006/main" xmlns:r="http://schemas.openxmlformats.org/officeDocument/2006/relationships" xmlns:p="http://schemas.openxmlformats.org/presentationml/2006/main">
+  <p:cSld>
+    <p:spTree>
+      <p:nvGrpSpPr>
+        <p:cNvPr id="1" name=""/>
+        <p:cNvGrpSpPr/>
+        <p:nvPr/>
+      </p:nvGrpSpPr>
+      <p:grpSpPr>
+        <a:xfrm>
+          <a:off x="0" y="0"/>
+          <a:ext cx="0" cy="0"/>
+          <a:chOff x="0" y="0"/>
+          <a:chExt cx="0" cy="0"/>
+        </a:xfrm>
+      </p:grpSpPr>
+      <p:sp>
+        <p:nvSpPr>
+          <p:cNvPr id="2" name="Title 1">
+            <a:extLst>
+              <a:ext uri="{FF2B5EF4-FFF2-40B4-BE49-F238E27FC236}">
+                <a16:creationId xmlns:a16="http://schemas.microsoft.com/office/drawing/2014/main" id="{B263DF45-60B6-47AF-8F1F-0DBBEFD99C4A}"/>
+              </a:ext>
+            </a:extLst>
+          </p:cNvPr>
+          <p:cNvSpPr>
+            <a:spLocks noGrp="1"/>
+          </p:cNvSpPr>
+          <p:nvPr>
+            <p:ph type="title"/>
+          </p:nvPr>
+        </p:nvSpPr>
+        <p:spPr/>
+        <p:txBody>
+          <a:bodyPr/>
+          <a:lstStyle/>
+          <a:p>
+            <a:r>
+              <a:rPr lang="en-US" dirty="0"/>
+              <a:t>json/greedy_2_(fb)_m54_n31.json</a:t>
+            </a:r>
+            <a:endParaRPr lang="LID4096" dirty="0"/>
+          </a:p>
+        </p:txBody>
+      </p:sp>
+      <p:sp>
+        <p:nvSpPr>
+          <p:cNvPr id="3" name="Content Placeholder 2">
+            <a:extLst>
+              <a:ext uri="{FF2B5EF4-FFF2-40B4-BE49-F238E27FC236}">
+                <a16:creationId xmlns:a16="http://schemas.microsoft.com/office/drawing/2014/main" id="{90B6571A-A4D5-4AF3-80F4-0E1E8DEAB45B}"/>
+              </a:ext>
+            </a:extLst>
+          </p:cNvPr>
+          <p:cNvSpPr>
+            <a:spLocks noGrp="1"/>
+          </p:cNvSpPr>
+          <p:nvPr>
+            <p:ph idx="1"/>
+          </p:nvPr>
+        </p:nvSpPr>
+        <p:spPr/>
+        <p:txBody>
+          <a:bodyPr/>
+          <a:lstStyle/>
+          <a:p>
+            <a:endParaRPr lang="LID4096"/>
+          </a:p>
+        </p:txBody>
+      </p:sp>
+      <p:pic>
+        <p:nvPicPr>
+          <p:cNvPr id="4" name="Picture 3">
+            <a:extLst>
+              <a:ext uri="{FF2B5EF4-FFF2-40B4-BE49-F238E27FC236}">
+                <a16:creationId xmlns:a16="http://schemas.microsoft.com/office/drawing/2014/main" id="{CCCDA0AF-399F-43A5-832D-3A6CEE5BFC3E}"/>
+              </a:ext>
+            </a:extLst>
+          </p:cNvPr>
+          <p:cNvPicPr>
+            <a:picLocks noChangeAspect="1"/>
+          </p:cNvPicPr>
+          <p:nvPr/>
+        </p:nvPicPr>
+        <p:blipFill>
+          <a:blip r:embed="rId2"/>
+          <a:stretch>
+            <a:fillRect/>
+          </a:stretch>
+        </p:blipFill>
+        <p:spPr>
+          <a:xfrm>
+            <a:off x="-343143" y="1822450"/>
+            <a:ext cx="12192000" cy="3869005"/>
+          </a:xfrm>
+          <a:prstGeom prst="rect">
+            <a:avLst/>
+          </a:prstGeom>
+        </p:spPr>
+      </p:pic>
+    </p:spTree>
+    <p:extLst>
+      <p:ext uri="{BB962C8B-B14F-4D97-AF65-F5344CB8AC3E}">
+        <p14:creationId xmlns:p14="http://schemas.microsoft.com/office/powerpoint/2010/main" val="2616919761"/>
+      </p:ext>
+    </p:extLst>
+  </p:cSld>
+  <p:clrMapOvr>
+    <a:masterClrMapping/>
+  </p:clrMapOvr>
+</p:sld>
+</file>
+
+<file path=ppt/slides/slide5.xml><?xml version="1.0" encoding="utf-8"?>
+<p:sld xmlns:a="http://schemas.openxmlformats.org/drawingml/2006/main" xmlns:r="http://schemas.openxmlformats.org/officeDocument/2006/relationships" xmlns:p="http://schemas.openxmlformats.org/presentationml/2006/main">
+  <p:cSld>
+    <p:spTree>
+      <p:nvGrpSpPr>
+        <p:cNvPr id="1" name=""/>
+        <p:cNvGrpSpPr/>
+        <p:nvPr/>
+      </p:nvGrpSpPr>
+      <p:grpSpPr>
+        <a:xfrm>
+          <a:off x="0" y="0"/>
+          <a:ext cx="0" cy="0"/>
+          <a:chOff x="0" y="0"/>
+          <a:chExt cx="0" cy="0"/>
+        </a:xfrm>
+      </p:grpSpPr>
+      <p:sp>
+        <p:nvSpPr>
+          <p:cNvPr id="2" name="Title 1">
+            <a:extLst>
+              <a:ext uri="{FF2B5EF4-FFF2-40B4-BE49-F238E27FC236}">
+                <a16:creationId xmlns:a16="http://schemas.microsoft.com/office/drawing/2014/main" id="{B0F9E92E-866C-4723-A3D8-2C6CD728CAC7}"/>
+              </a:ext>
+            </a:extLst>
+          </p:cNvPr>
+          <p:cNvSpPr>
+            <a:spLocks noGrp="1"/>
+          </p:cNvSpPr>
+          <p:nvPr>
+            <p:ph type="title"/>
+          </p:nvPr>
+        </p:nvSpPr>
+        <p:spPr/>
+        <p:txBody>
+          <a:bodyPr/>
+          <a:lstStyle/>
+          <a:p>
+            <a:r>
+              <a:rPr lang="en-US" dirty="0"/>
+              <a:t>Selective behavior</a:t>
+            </a:r>
+            <a:endParaRPr lang="LID4096" dirty="0"/>
+          </a:p>
+        </p:txBody>
+      </p:sp>
+      <p:sp>
+        <p:nvSpPr>
+          <p:cNvPr id="3" name="Content Placeholder 2">
+            <a:extLst>
+              <a:ext uri="{FF2B5EF4-FFF2-40B4-BE49-F238E27FC236}">
+                <a16:creationId xmlns:a16="http://schemas.microsoft.com/office/drawing/2014/main" id="{8A390AE3-1A2A-46AB-B990-6696820F78D7}"/>
+              </a:ext>
+            </a:extLst>
+          </p:cNvPr>
+          <p:cNvSpPr>
+            <a:spLocks noGrp="1"/>
+          </p:cNvSpPr>
+          <p:nvPr>
+            <p:ph idx="1"/>
+          </p:nvPr>
+        </p:nvSpPr>
+        <p:spPr/>
+        <p:txBody>
+          <a:bodyPr/>
+          <a:lstStyle/>
+          <a:p>
+            <a:endParaRPr lang="LID4096" dirty="0"/>
+          </a:p>
+        </p:txBody>
+      </p:sp>
+    </p:spTree>
+    <p:extLst>
+      <p:ext uri="{BB962C8B-B14F-4D97-AF65-F5344CB8AC3E}">
+        <p14:creationId xmlns:p14="http://schemas.microsoft.com/office/powerpoint/2010/main" val="1139315142"/>
+      </p:ext>
+    </p:extLst>
+  </p:cSld>
+  <p:clrMapOvr>
+    <a:masterClrMapping/>
+  </p:clrMapOvr>
+</p:sld>
+</file>
+
+<file path=ppt/slides/slide6.xml><?xml version="1.0" encoding="utf-8"?>
+<p:sld xmlns:a="http://schemas.openxmlformats.org/drawingml/2006/main" xmlns:r="http://schemas.openxmlformats.org/officeDocument/2006/relationships" xmlns:p="http://schemas.openxmlformats.org/presentationml/2006/main">
+  <p:cSld>
+    <p:spTree>
+      <p:nvGrpSpPr>
+        <p:cNvPr id="1" name=""/>
+        <p:cNvGrpSpPr/>
+        <p:nvPr/>
+      </p:nvGrpSpPr>
+      <p:grpSpPr>
+        <a:xfrm>
+          <a:off x="0" y="0"/>
+          <a:ext cx="0" cy="0"/>
+          <a:chOff x="0" y="0"/>
+          <a:chExt cx="0" cy="0"/>
+        </a:xfrm>
+      </p:grpSpPr>
+      <p:sp>
+        <p:nvSpPr>
+          <p:cNvPr id="2" name="Title 1">
+            <a:extLst>
+              <a:ext uri="{FF2B5EF4-FFF2-40B4-BE49-F238E27FC236}">
+                <a16:creationId xmlns:a16="http://schemas.microsoft.com/office/drawing/2014/main" id="{5D1B936D-483A-406F-841A-E1CBB8A4F590}"/>
+              </a:ext>
+            </a:extLst>
+          </p:cNvPr>
+          <p:cNvSpPr>
+            <a:spLocks noGrp="1"/>
+          </p:cNvSpPr>
+          <p:nvPr>
+            <p:ph type="title"/>
+          </p:nvPr>
+        </p:nvSpPr>
+        <p:spPr/>
+        <p:txBody>
+          <a:bodyPr/>
+          <a:lstStyle/>
+          <a:p>
+            <a:r>
+              <a:rPr lang="en-US" dirty="0"/>
+              <a:t>Bidding rounds</a:t>
+            </a:r>
+            <a:endParaRPr lang="LID4096" dirty="0"/>
+          </a:p>
+        </p:txBody>
+      </p:sp>
+      <p:pic>
+        <p:nvPicPr>
+          <p:cNvPr id="7" name="Picture 6">
+            <a:extLst>
+              <a:ext uri="{FF2B5EF4-FFF2-40B4-BE49-F238E27FC236}">
+                <a16:creationId xmlns:a16="http://schemas.microsoft.com/office/drawing/2014/main" id="{0D8D6496-2C8B-44E3-B694-8141B31044CE}"/>
+              </a:ext>
+            </a:extLst>
+          </p:cNvPr>
+          <p:cNvPicPr>
+            <a:picLocks noChangeAspect="1"/>
+          </p:cNvPicPr>
+          <p:nvPr/>
+        </p:nvPicPr>
+        <p:blipFill>
+          <a:blip r:embed="rId2"/>
+          <a:stretch>
+            <a:fillRect/>
+          </a:stretch>
+        </p:blipFill>
+        <p:spPr>
+          <a:xfrm>
+            <a:off x="4273814" y="2479963"/>
+            <a:ext cx="3310415" cy="2755631"/>
+          </a:xfrm>
+          <a:prstGeom prst="rect">
+            <a:avLst/>
+          </a:prstGeom>
+        </p:spPr>
+      </p:pic>
+      <p:pic>
+        <p:nvPicPr>
+          <p:cNvPr id="8" name="Picture 7">
+            <a:extLst>
+              <a:ext uri="{FF2B5EF4-FFF2-40B4-BE49-F238E27FC236}">
+                <a16:creationId xmlns:a16="http://schemas.microsoft.com/office/drawing/2014/main" id="{896B5AFB-2BDB-49CD-8A23-D72BD949A82D}"/>
+              </a:ext>
+            </a:extLst>
+          </p:cNvPr>
+          <p:cNvPicPr>
+            <a:picLocks noChangeAspect="1"/>
+          </p:cNvPicPr>
+          <p:nvPr/>
+        </p:nvPicPr>
+        <p:blipFill>
+          <a:blip r:embed="rId3"/>
+          <a:stretch>
+            <a:fillRect/>
+          </a:stretch>
+        </p:blipFill>
+        <p:spPr>
+          <a:xfrm>
+            <a:off x="737828" y="2479963"/>
+            <a:ext cx="3535986" cy="2755631"/>
+          </a:xfrm>
+          <a:prstGeom prst="rect">
+            <a:avLst/>
+          </a:prstGeom>
+        </p:spPr>
+      </p:pic>
+      <p:pic>
+        <p:nvPicPr>
+          <p:cNvPr id="9" name="Picture 8">
+            <a:extLst>
+              <a:ext uri="{FF2B5EF4-FFF2-40B4-BE49-F238E27FC236}">
+                <a16:creationId xmlns:a16="http://schemas.microsoft.com/office/drawing/2014/main" id="{04338918-A01E-4C72-9272-BE87CE549FD7}"/>
+              </a:ext>
+            </a:extLst>
+          </p:cNvPr>
+          <p:cNvPicPr>
+            <a:picLocks noChangeAspect="1"/>
+          </p:cNvPicPr>
+          <p:nvPr/>
+        </p:nvPicPr>
+        <p:blipFill>
+          <a:blip r:embed="rId4"/>
+          <a:stretch>
+            <a:fillRect/>
+          </a:stretch>
+        </p:blipFill>
+        <p:spPr>
+          <a:xfrm>
+            <a:off x="7528187" y="2479962"/>
+            <a:ext cx="3627434" cy="2755631"/>
+          </a:xfrm>
+          <a:prstGeom prst="rect">
+            <a:avLst/>
+          </a:prstGeom>
+        </p:spPr>
+      </p:pic>
+      <p:sp>
+        <p:nvSpPr>
+          <p:cNvPr id="10" name="TextBox 9">
+            <a:extLst>
+              <a:ext uri="{FF2B5EF4-FFF2-40B4-BE49-F238E27FC236}">
+                <a16:creationId xmlns:a16="http://schemas.microsoft.com/office/drawing/2014/main" id="{EB4B12E7-86A8-4BC3-A043-F1553548D430}"/>
+              </a:ext>
+            </a:extLst>
+          </p:cNvPr>
+          <p:cNvSpPr txBox="1"/>
+          <p:nvPr/>
+        </p:nvSpPr>
+        <p:spPr>
+          <a:xfrm rot="16200000">
+            <a:off x="4151441" y="3536628"/>
+            <a:ext cx="633100" cy="276999"/>
+          </a:xfrm>
+          <a:prstGeom prst="rect">
+            <a:avLst/>
+          </a:prstGeom>
+          <a:solidFill>
+            <a:schemeClr val="bg1"/>
+          </a:solidFill>
+        </p:spPr>
+        <p:txBody>
+          <a:bodyPr wrap="square" rtlCol="0">
+            <a:spAutoFit/>
+          </a:bodyPr>
+          <a:lstStyle/>
+          <a:p>
+            <a:r>
+              <a:rPr lang="en-US" sz="1200" dirty="0"/>
+              <a:t>papers</a:t>
+            </a:r>
+            <a:endParaRPr lang="LID4096" sz="1200" dirty="0"/>
+          </a:p>
+        </p:txBody>
+      </p:sp>
+      <p:sp>
+        <p:nvSpPr>
+          <p:cNvPr id="11" name="TextBox 10">
+            <a:extLst>
+              <a:ext uri="{FF2B5EF4-FFF2-40B4-BE49-F238E27FC236}">
+                <a16:creationId xmlns:a16="http://schemas.microsoft.com/office/drawing/2014/main" id="{B4CABCEC-C90C-4EA1-99EE-520DE8037CC6}"/>
+              </a:ext>
+            </a:extLst>
+          </p:cNvPr>
+          <p:cNvSpPr txBox="1"/>
+          <p:nvPr/>
+        </p:nvSpPr>
+        <p:spPr>
+          <a:xfrm rot="16200000">
+            <a:off x="7461856" y="3446343"/>
+            <a:ext cx="633100" cy="276999"/>
+          </a:xfrm>
+          <a:prstGeom prst="rect">
+            <a:avLst/>
+          </a:prstGeom>
+          <a:solidFill>
+            <a:schemeClr val="bg1"/>
+          </a:solidFill>
+        </p:spPr>
+        <p:txBody>
+          <a:bodyPr wrap="square" rtlCol="0">
+            <a:spAutoFit/>
+          </a:bodyPr>
+          <a:lstStyle/>
+          <a:p>
+            <a:r>
+              <a:rPr lang="en-US" sz="1200" dirty="0"/>
+              <a:t>cost</a:t>
+            </a:r>
+            <a:endParaRPr lang="LID4096" sz="1200" dirty="0"/>
+          </a:p>
+        </p:txBody>
+      </p:sp>
+      <p:cxnSp>
+        <p:nvCxnSpPr>
+          <p:cNvPr id="13" name="Straight Connector 12">
+            <a:extLst>
+              <a:ext uri="{FF2B5EF4-FFF2-40B4-BE49-F238E27FC236}">
+                <a16:creationId xmlns:a16="http://schemas.microsoft.com/office/drawing/2014/main" id="{8EB1C082-0358-4F12-B876-F7FBCC851615}"/>
+              </a:ext>
+            </a:extLst>
+          </p:cNvPr>
+          <p:cNvCxnSpPr/>
+          <p:nvPr/>
+        </p:nvCxnSpPr>
+        <p:spPr>
+          <a:xfrm flipV="1">
+            <a:off x="1755128" y="2916546"/>
+            <a:ext cx="0" cy="1447439"/>
+          </a:xfrm>
+          <a:prstGeom prst="line">
+            <a:avLst/>
+          </a:prstGeom>
+          <a:ln w="12700">
+            <a:prstDash val="dash"/>
+          </a:ln>
+        </p:spPr>
+        <p:style>
+          <a:lnRef idx="1">
+            <a:schemeClr val="accent1"/>
+          </a:lnRef>
+          <a:fillRef idx="0">
+            <a:schemeClr val="accent1"/>
+          </a:fillRef>
+          <a:effectRef idx="0">
+            <a:schemeClr val="accent1"/>
+          </a:effectRef>
+          <a:fontRef idx="minor">
+            <a:schemeClr val="tx1"/>
+          </a:fontRef>
+        </p:style>
+      </p:cxnSp>
+      <p:sp>
+        <p:nvSpPr>
+          <p:cNvPr id="14" name="TextBox 13">
+            <a:extLst>
+              <a:ext uri="{FF2B5EF4-FFF2-40B4-BE49-F238E27FC236}">
+                <a16:creationId xmlns:a16="http://schemas.microsoft.com/office/drawing/2014/main" id="{5A1673CB-41BD-4B09-8C8B-19C0F6E9B614}"/>
+              </a:ext>
+            </a:extLst>
+          </p:cNvPr>
+          <p:cNvSpPr txBox="1"/>
+          <p:nvPr/>
+        </p:nvSpPr>
+        <p:spPr>
+          <a:xfrm>
+            <a:off x="1586448" y="4294646"/>
+            <a:ext cx="441367" cy="276999"/>
+          </a:xfrm>
+          <a:prstGeom prst="rect">
+            <a:avLst/>
+          </a:prstGeom>
+          <a:noFill/>
+        </p:spPr>
+        <p:txBody>
+          <a:bodyPr wrap="square" rtlCol="0">
+            <a:spAutoFit/>
+          </a:bodyPr>
+          <a:lstStyle/>
+          <a:p>
+            <a:r>
+              <a:rPr lang="en-US" sz="1200" dirty="0"/>
+              <a:t>2n</a:t>
+            </a:r>
+            <a:endParaRPr lang="LID4096" sz="1200" dirty="0"/>
+          </a:p>
+        </p:txBody>
+      </p:sp>
+      <p:cxnSp>
+        <p:nvCxnSpPr>
+          <p:cNvPr id="15" name="Straight Connector 14">
+            <a:extLst>
+              <a:ext uri="{FF2B5EF4-FFF2-40B4-BE49-F238E27FC236}">
+                <a16:creationId xmlns:a16="http://schemas.microsoft.com/office/drawing/2014/main" id="{C8717997-2FDF-4A80-B2C9-69ED197BFAA6}"/>
+              </a:ext>
+            </a:extLst>
+          </p:cNvPr>
+          <p:cNvCxnSpPr/>
+          <p:nvPr/>
+        </p:nvCxnSpPr>
+        <p:spPr>
+          <a:xfrm flipV="1">
+            <a:off x="5304115" y="2916546"/>
+            <a:ext cx="0" cy="1447439"/>
+          </a:xfrm>
+          <a:prstGeom prst="line">
+            <a:avLst/>
+          </a:prstGeom>
+          <a:ln w="12700">
+            <a:prstDash val="dash"/>
+          </a:ln>
+        </p:spPr>
+        <p:style>
+          <a:lnRef idx="1">
+            <a:schemeClr val="accent1"/>
+          </a:lnRef>
+          <a:fillRef idx="0">
+            <a:schemeClr val="accent1"/>
+          </a:fillRef>
+          <a:effectRef idx="0">
+            <a:schemeClr val="accent1"/>
+          </a:effectRef>
+          <a:fontRef idx="minor">
+            <a:schemeClr val="tx1"/>
+          </a:fontRef>
+        </p:style>
+      </p:cxnSp>
+      <p:sp>
+        <p:nvSpPr>
+          <p:cNvPr id="16" name="TextBox 15">
+            <a:extLst>
+              <a:ext uri="{FF2B5EF4-FFF2-40B4-BE49-F238E27FC236}">
+                <a16:creationId xmlns:a16="http://schemas.microsoft.com/office/drawing/2014/main" id="{75B33592-ABD9-4998-82B1-43F8D6E4A37D}"/>
+              </a:ext>
+            </a:extLst>
+          </p:cNvPr>
+          <p:cNvSpPr txBox="1"/>
+          <p:nvPr/>
+        </p:nvSpPr>
+        <p:spPr>
+          <a:xfrm>
+            <a:off x="5122434" y="4294646"/>
+            <a:ext cx="441367" cy="276999"/>
+          </a:xfrm>
+          <a:prstGeom prst="rect">
+            <a:avLst/>
+          </a:prstGeom>
+          <a:noFill/>
+        </p:spPr>
+        <p:txBody>
+          <a:bodyPr wrap="square" rtlCol="0">
+            <a:spAutoFit/>
+          </a:bodyPr>
+          <a:lstStyle/>
+          <a:p>
+            <a:r>
+              <a:rPr lang="en-US" sz="1200" dirty="0"/>
+              <a:t>2n</a:t>
+            </a:r>
+            <a:endParaRPr lang="LID4096" sz="1200" dirty="0"/>
+          </a:p>
+        </p:txBody>
+      </p:sp>
+      <p:cxnSp>
+        <p:nvCxnSpPr>
+          <p:cNvPr id="17" name="Straight Connector 16">
+            <a:extLst>
+              <a:ext uri="{FF2B5EF4-FFF2-40B4-BE49-F238E27FC236}">
+                <a16:creationId xmlns:a16="http://schemas.microsoft.com/office/drawing/2014/main" id="{91F76DCC-AEEE-41E2-BF41-8A35DCED46A0}"/>
+              </a:ext>
+            </a:extLst>
+          </p:cNvPr>
+          <p:cNvCxnSpPr/>
+          <p:nvPr/>
+        </p:nvCxnSpPr>
+        <p:spPr>
+          <a:xfrm flipV="1">
+            <a:off x="8558489" y="2916546"/>
+            <a:ext cx="0" cy="1447439"/>
+          </a:xfrm>
+          <a:prstGeom prst="line">
+            <a:avLst/>
+          </a:prstGeom>
+          <a:ln w="12700">
+            <a:prstDash val="dash"/>
+          </a:ln>
+        </p:spPr>
+        <p:style>
+          <a:lnRef idx="1">
+            <a:schemeClr val="accent1"/>
+          </a:lnRef>
+          <a:fillRef idx="0">
+            <a:schemeClr val="accent1"/>
+          </a:fillRef>
+          <a:effectRef idx="0">
+            <a:schemeClr val="accent1"/>
+          </a:effectRef>
+          <a:fontRef idx="minor">
+            <a:schemeClr val="tx1"/>
+          </a:fontRef>
+        </p:style>
+      </p:cxnSp>
+      <p:sp>
+        <p:nvSpPr>
+          <p:cNvPr id="18" name="TextBox 17">
+            <a:extLst>
+              <a:ext uri="{FF2B5EF4-FFF2-40B4-BE49-F238E27FC236}">
+                <a16:creationId xmlns:a16="http://schemas.microsoft.com/office/drawing/2014/main" id="{2B56327F-2EFF-4D05-B5BD-E6B7B650DDD0}"/>
+              </a:ext>
+            </a:extLst>
+          </p:cNvPr>
+          <p:cNvSpPr txBox="1"/>
+          <p:nvPr/>
+        </p:nvSpPr>
+        <p:spPr>
+          <a:xfrm>
+            <a:off x="8337805" y="4294646"/>
+            <a:ext cx="441367" cy="276999"/>
+          </a:xfrm>
+          <a:prstGeom prst="rect">
+            <a:avLst/>
+          </a:prstGeom>
+          <a:noFill/>
+        </p:spPr>
+        <p:txBody>
+          <a:bodyPr wrap="square" rtlCol="0">
+            <a:spAutoFit/>
+          </a:bodyPr>
+          <a:lstStyle/>
+          <a:p>
+            <a:r>
+              <a:rPr lang="en-US" sz="1200" dirty="0"/>
+              <a:t>2n</a:t>
+            </a:r>
+            <a:endParaRPr lang="LID4096" sz="1200" dirty="0"/>
+          </a:p>
+        </p:txBody>
+      </p:sp>
+    </p:spTree>
+    <p:extLst>
+      <p:ext uri="{BB962C8B-B14F-4D97-AF65-F5344CB8AC3E}">
+        <p14:creationId xmlns:p14="http://schemas.microsoft.com/office/powerpoint/2010/main" val="1300610026"/>
+      </p:ext>
+    </p:extLst>
+  </p:cSld>
+  <p:clrMapOvr>
+    <a:masterClrMapping/>
+  </p:clrMapOvr>
+</p:sld>
+</file>
+
 <file path=ppt/theme/theme1.xml><?xml version="1.0" encoding="utf-8"?>
 <a:theme xmlns:a="http://schemas.openxmlformats.org/drawingml/2006/main" name="Office Theme">
   <a:themeElements>

--- a/figures/figures.pptx
+++ b/figures/figures.pptx
@@ -9,8 +9,10 @@
     <p:sldId id="257" r:id="rId3"/>
     <p:sldId id="258" r:id="rId4"/>
     <p:sldId id="261" r:id="rId5"/>
-    <p:sldId id="259" r:id="rId6"/>
-    <p:sldId id="260" r:id="rId7"/>
+    <p:sldId id="263" r:id="rId6"/>
+    <p:sldId id="262" r:id="rId7"/>
+    <p:sldId id="259" r:id="rId8"/>
+    <p:sldId id="260" r:id="rId9"/>
   </p:sldIdLst>
   <p:sldSz cx="12192000" cy="6858000"/>
   <p:notesSz cx="6858000" cy="9144000"/>
@@ -266,7 +268,7 @@
           <a:p>
             <a:fld id="{BF73D9C4-3BB7-45A0-ADB6-709835E05379}" type="datetimeFigureOut">
               <a:rPr lang="LID4096" smtClean="0"/>
-              <a:t>08/11/2019</a:t>
+              <a:t>08/12/2019</a:t>
             </a:fld>
             <a:endParaRPr lang="LID4096"/>
           </a:p>
@@ -466,7 +468,7 @@
           <a:p>
             <a:fld id="{BF73D9C4-3BB7-45A0-ADB6-709835E05379}" type="datetimeFigureOut">
               <a:rPr lang="LID4096" smtClean="0"/>
-              <a:t>08/11/2019</a:t>
+              <a:t>08/12/2019</a:t>
             </a:fld>
             <a:endParaRPr lang="LID4096"/>
           </a:p>
@@ -676,7 +678,7 @@
           <a:p>
             <a:fld id="{BF73D9C4-3BB7-45A0-ADB6-709835E05379}" type="datetimeFigureOut">
               <a:rPr lang="LID4096" smtClean="0"/>
-              <a:t>08/11/2019</a:t>
+              <a:t>08/12/2019</a:t>
             </a:fld>
             <a:endParaRPr lang="LID4096"/>
           </a:p>
@@ -876,7 +878,7 @@
           <a:p>
             <a:fld id="{BF73D9C4-3BB7-45A0-ADB6-709835E05379}" type="datetimeFigureOut">
               <a:rPr lang="LID4096" smtClean="0"/>
-              <a:t>08/11/2019</a:t>
+              <a:t>08/12/2019</a:t>
             </a:fld>
             <a:endParaRPr lang="LID4096"/>
           </a:p>
@@ -1152,7 +1154,7 @@
           <a:p>
             <a:fld id="{BF73D9C4-3BB7-45A0-ADB6-709835E05379}" type="datetimeFigureOut">
               <a:rPr lang="LID4096" smtClean="0"/>
-              <a:t>08/11/2019</a:t>
+              <a:t>08/12/2019</a:t>
             </a:fld>
             <a:endParaRPr lang="LID4096"/>
           </a:p>
@@ -1420,7 +1422,7 @@
           <a:p>
             <a:fld id="{BF73D9C4-3BB7-45A0-ADB6-709835E05379}" type="datetimeFigureOut">
               <a:rPr lang="LID4096" smtClean="0"/>
-              <a:t>08/11/2019</a:t>
+              <a:t>08/12/2019</a:t>
             </a:fld>
             <a:endParaRPr lang="LID4096"/>
           </a:p>
@@ -1835,7 +1837,7 @@
           <a:p>
             <a:fld id="{BF73D9C4-3BB7-45A0-ADB6-709835E05379}" type="datetimeFigureOut">
               <a:rPr lang="LID4096" smtClean="0"/>
-              <a:t>08/11/2019</a:t>
+              <a:t>08/12/2019</a:t>
             </a:fld>
             <a:endParaRPr lang="LID4096"/>
           </a:p>
@@ -1977,7 +1979,7 @@
           <a:p>
             <a:fld id="{BF73D9C4-3BB7-45A0-ADB6-709835E05379}" type="datetimeFigureOut">
               <a:rPr lang="LID4096" smtClean="0"/>
-              <a:t>08/11/2019</a:t>
+              <a:t>08/12/2019</a:t>
             </a:fld>
             <a:endParaRPr lang="LID4096"/>
           </a:p>
@@ -2090,7 +2092,7 @@
           <a:p>
             <a:fld id="{BF73D9C4-3BB7-45A0-ADB6-709835E05379}" type="datetimeFigureOut">
               <a:rPr lang="LID4096" smtClean="0"/>
-              <a:t>08/11/2019</a:t>
+              <a:t>08/12/2019</a:t>
             </a:fld>
             <a:endParaRPr lang="LID4096"/>
           </a:p>
@@ -2403,7 +2405,7 @@
           <a:p>
             <a:fld id="{BF73D9C4-3BB7-45A0-ADB6-709835E05379}" type="datetimeFigureOut">
               <a:rPr lang="LID4096" smtClean="0"/>
-              <a:t>08/11/2019</a:t>
+              <a:t>08/12/2019</a:t>
             </a:fld>
             <a:endParaRPr lang="LID4096"/>
           </a:p>
@@ -2692,7 +2694,7 @@
           <a:p>
             <a:fld id="{BF73D9C4-3BB7-45A0-ADB6-709835E05379}" type="datetimeFigureOut">
               <a:rPr lang="LID4096" smtClean="0"/>
-              <a:t>08/11/2019</a:t>
+              <a:t>08/12/2019</a:t>
             </a:fld>
             <a:endParaRPr lang="LID4096"/>
           </a:p>
@@ -2935,7 +2937,7 @@
           <a:p>
             <a:fld id="{BF73D9C4-3BB7-45A0-ADB6-709835E05379}" type="datetimeFigureOut">
               <a:rPr lang="LID4096" smtClean="0"/>
-              <a:t>08/11/2019</a:t>
+              <a:t>08/12/2019</a:t>
             </a:fld>
             <a:endParaRPr lang="LID4096"/>
           </a:p>
@@ -3843,6 +3845,225 @@
           <p:cNvPr id="2" name="Title 1">
             <a:extLst>
               <a:ext uri="{FF2B5EF4-FFF2-40B4-BE49-F238E27FC236}">
+                <a16:creationId xmlns:a16="http://schemas.microsoft.com/office/drawing/2014/main" id="{F6D27FDE-4248-4496-A42F-7DF8178393F9}"/>
+              </a:ext>
+            </a:extLst>
+          </p:cNvPr>
+          <p:cNvSpPr>
+            <a:spLocks noGrp="1"/>
+          </p:cNvSpPr>
+          <p:nvPr>
+            <p:ph type="title"/>
+          </p:nvPr>
+        </p:nvSpPr>
+        <p:spPr/>
+        <p:txBody>
+          <a:bodyPr/>
+          <a:lstStyle/>
+          <a:p>
+            <a:r>
+              <a:rPr lang="en-US" dirty="0"/>
+              <a:t>json/greedy_2_(fb)_m176_n146.json</a:t>
+            </a:r>
+            <a:endParaRPr lang="LID4096" dirty="0"/>
+          </a:p>
+        </p:txBody>
+      </p:sp>
+      <p:pic>
+        <p:nvPicPr>
+          <p:cNvPr id="5" name="Content Placeholder 4" descr="A close up of a map&#10;&#10;Description automatically generated">
+            <a:extLst>
+              <a:ext uri="{FF2B5EF4-FFF2-40B4-BE49-F238E27FC236}">
+                <a16:creationId xmlns:a16="http://schemas.microsoft.com/office/drawing/2014/main" id="{C1ACAE59-FD92-447B-939A-830204AE24A6}"/>
+              </a:ext>
+            </a:extLst>
+          </p:cNvPr>
+          <p:cNvPicPr>
+            <a:picLocks noGrp="1" noChangeAspect="1"/>
+          </p:cNvPicPr>
+          <p:nvPr>
+            <p:ph idx="1"/>
+          </p:nvPr>
+        </p:nvPicPr>
+        <p:blipFill>
+          <a:blip r:embed="rId2">
+            <a:extLst>
+              <a:ext uri="{28A0092B-C50C-407E-A947-70E740481C1C}">
+                <a14:useLocalDpi xmlns:a14="http://schemas.microsoft.com/office/drawing/2010/main" val="0"/>
+              </a:ext>
+            </a:extLst>
+          </a:blip>
+          <a:stretch>
+            <a:fillRect/>
+          </a:stretch>
+        </p:blipFill>
+        <p:spPr>
+          <a:xfrm>
+            <a:off x="838200" y="2364964"/>
+            <a:ext cx="10515600" cy="3272659"/>
+          </a:xfrm>
+        </p:spPr>
+      </p:pic>
+    </p:spTree>
+    <p:extLst>
+      <p:ext uri="{BB962C8B-B14F-4D97-AF65-F5344CB8AC3E}">
+        <p14:creationId xmlns:p14="http://schemas.microsoft.com/office/powerpoint/2010/main" val="266535697"/>
+      </p:ext>
+    </p:extLst>
+  </p:cSld>
+  <p:clrMapOvr>
+    <a:masterClrMapping/>
+  </p:clrMapOvr>
+</p:sld>
+</file>
+
+<file path=ppt/slides/slide6.xml><?xml version="1.0" encoding="utf-8"?>
+<p:sld xmlns:a="http://schemas.openxmlformats.org/drawingml/2006/main" xmlns:r="http://schemas.openxmlformats.org/officeDocument/2006/relationships" xmlns:p="http://schemas.openxmlformats.org/presentationml/2006/main">
+  <p:cSld>
+    <p:spTree>
+      <p:nvGrpSpPr>
+        <p:cNvPr id="1" name=""/>
+        <p:cNvGrpSpPr/>
+        <p:nvPr/>
+      </p:nvGrpSpPr>
+      <p:grpSpPr>
+        <a:xfrm>
+          <a:off x="0" y="0"/>
+          <a:ext cx="0" cy="0"/>
+          <a:chOff x="0" y="0"/>
+          <a:chExt cx="0" cy="0"/>
+        </a:xfrm>
+      </p:grpSpPr>
+      <p:sp>
+        <p:nvSpPr>
+          <p:cNvPr id="2" name="Title 1">
+            <a:extLst>
+              <a:ext uri="{FF2B5EF4-FFF2-40B4-BE49-F238E27FC236}">
+                <a16:creationId xmlns:a16="http://schemas.microsoft.com/office/drawing/2014/main" id="{50FF19BB-A6B5-484C-97A8-525AE12948CC}"/>
+              </a:ext>
+            </a:extLst>
+          </p:cNvPr>
+          <p:cNvSpPr>
+            <a:spLocks noGrp="1"/>
+          </p:cNvSpPr>
+          <p:nvPr>
+            <p:ph type="title"/>
+          </p:nvPr>
+        </p:nvSpPr>
+        <p:spPr/>
+        <p:txBody>
+          <a:bodyPr/>
+          <a:lstStyle/>
+          <a:p>
+            <a:r>
+              <a:rPr lang="en-US" dirty="0"/>
+              <a:t>json/greedy_2_(fb)_m176_n146_2lvl.json</a:t>
+            </a:r>
+            <a:endParaRPr lang="LID4096" dirty="0"/>
+          </a:p>
+        </p:txBody>
+      </p:sp>
+      <p:sp>
+        <p:nvSpPr>
+          <p:cNvPr id="3" name="Content Placeholder 2">
+            <a:extLst>
+              <a:ext uri="{FF2B5EF4-FFF2-40B4-BE49-F238E27FC236}">
+                <a16:creationId xmlns:a16="http://schemas.microsoft.com/office/drawing/2014/main" id="{5C0EF4AD-37F8-4F74-8028-A2F3D18FA43E}"/>
+              </a:ext>
+            </a:extLst>
+          </p:cNvPr>
+          <p:cNvSpPr>
+            <a:spLocks noGrp="1"/>
+          </p:cNvSpPr>
+          <p:nvPr>
+            <p:ph idx="1"/>
+          </p:nvPr>
+        </p:nvSpPr>
+        <p:spPr>
+          <a:xfrm>
+            <a:off x="838200" y="5399283"/>
+            <a:ext cx="10515600" cy="777679"/>
+          </a:xfrm>
+        </p:spPr>
+        <p:txBody>
+          <a:bodyPr>
+            <a:normAutofit fontScale="92500" lnSpcReduction="10000"/>
+          </a:bodyPr>
+          <a:lstStyle/>
+          <a:p>
+            <a:r>
+              <a:rPr lang="en-US" dirty="0"/>
+              <a:t>For the original bids: 8.9 bids per PCM,  0.31 excess papers, 7.4 cost per PCM</a:t>
+            </a:r>
+            <a:endParaRPr lang="LID4096" dirty="0"/>
+          </a:p>
+        </p:txBody>
+      </p:sp>
+      <p:pic>
+        <p:nvPicPr>
+          <p:cNvPr id="4" name="Picture 3">
+            <a:extLst>
+              <a:ext uri="{FF2B5EF4-FFF2-40B4-BE49-F238E27FC236}">
+                <a16:creationId xmlns:a16="http://schemas.microsoft.com/office/drawing/2014/main" id="{6D5C78CA-24D0-4022-9EF8-0F9DF64F16A1}"/>
+              </a:ext>
+            </a:extLst>
+          </p:cNvPr>
+          <p:cNvPicPr>
+            <a:picLocks noChangeAspect="1"/>
+          </p:cNvPicPr>
+          <p:nvPr/>
+        </p:nvPicPr>
+        <p:blipFill>
+          <a:blip r:embed="rId2"/>
+          <a:stretch>
+            <a:fillRect/>
+          </a:stretch>
+        </p:blipFill>
+        <p:spPr>
+          <a:xfrm>
+            <a:off x="0" y="1458715"/>
+            <a:ext cx="12192000" cy="3940569"/>
+          </a:xfrm>
+          <a:prstGeom prst="rect">
+            <a:avLst/>
+          </a:prstGeom>
+        </p:spPr>
+      </p:pic>
+    </p:spTree>
+    <p:extLst>
+      <p:ext uri="{BB962C8B-B14F-4D97-AF65-F5344CB8AC3E}">
+        <p14:creationId xmlns:p14="http://schemas.microsoft.com/office/powerpoint/2010/main" val="3422778119"/>
+      </p:ext>
+    </p:extLst>
+  </p:cSld>
+  <p:clrMapOvr>
+    <a:masterClrMapping/>
+  </p:clrMapOvr>
+</p:sld>
+</file>
+
+<file path=ppt/slides/slide7.xml><?xml version="1.0" encoding="utf-8"?>
+<p:sld xmlns:a="http://schemas.openxmlformats.org/drawingml/2006/main" xmlns:r="http://schemas.openxmlformats.org/officeDocument/2006/relationships" xmlns:p="http://schemas.openxmlformats.org/presentationml/2006/main">
+  <p:cSld>
+    <p:spTree>
+      <p:nvGrpSpPr>
+        <p:cNvPr id="1" name=""/>
+        <p:cNvGrpSpPr/>
+        <p:nvPr/>
+      </p:nvGrpSpPr>
+      <p:grpSpPr>
+        <a:xfrm>
+          <a:off x="0" y="0"/>
+          <a:ext cx="0" cy="0"/>
+          <a:chOff x="0" y="0"/>
+          <a:chExt cx="0" cy="0"/>
+        </a:xfrm>
+      </p:grpSpPr>
+      <p:sp>
+        <p:nvSpPr>
+          <p:cNvPr id="2" name="Title 1">
+            <a:extLst>
+              <a:ext uri="{FF2B5EF4-FFF2-40B4-BE49-F238E27FC236}">
                 <a16:creationId xmlns:a16="http://schemas.microsoft.com/office/drawing/2014/main" id="{B0F9E92E-866C-4723-A3D8-2C6CD728CAC7}"/>
               </a:ext>
             </a:extLst>
@@ -3861,33 +4082,76 @@
           <a:p>
             <a:r>
               <a:rPr lang="en-US" dirty="0"/>
-              <a:t>Selective behavior</a:t>
+              <a:t>Sequential bids (T=n)</a:t>
             </a:r>
             <a:endParaRPr lang="LID4096" dirty="0"/>
           </a:p>
         </p:txBody>
       </p:sp>
-      <p:sp>
-        <p:nvSpPr>
-          <p:cNvPr id="3" name="Content Placeholder 2">
-            <a:extLst>
-              <a:ext uri="{FF2B5EF4-FFF2-40B4-BE49-F238E27FC236}">
-                <a16:creationId xmlns:a16="http://schemas.microsoft.com/office/drawing/2014/main" id="{8A390AE3-1A2A-46AB-B990-6696820F78D7}"/>
-              </a:ext>
-            </a:extLst>
-          </p:cNvPr>
-          <p:cNvSpPr>
-            <a:spLocks noGrp="1"/>
-          </p:cNvSpPr>
+      <p:pic>
+        <p:nvPicPr>
+          <p:cNvPr id="4" name="Content Placeholder 3">
+            <a:extLst>
+              <a:ext uri="{FF2B5EF4-FFF2-40B4-BE49-F238E27FC236}">
+                <a16:creationId xmlns:a16="http://schemas.microsoft.com/office/drawing/2014/main" id="{FA7BE202-48B7-4585-B7E5-5588D34E6CDE}"/>
+              </a:ext>
+            </a:extLst>
+          </p:cNvPr>
+          <p:cNvPicPr>
+            <a:picLocks noGrp="1" noChangeAspect="1"/>
+          </p:cNvPicPr>
           <p:nvPr>
             <p:ph idx="1"/>
           </p:nvPr>
-        </p:nvSpPr>
-        <p:spPr/>
-        <p:txBody>
-          <a:bodyPr/>
-          <a:lstStyle/>
-          <a:p>
+        </p:nvPicPr>
+        <p:blipFill>
+          <a:blip r:embed="rId2"/>
+          <a:stretch>
+            <a:fillRect/>
+          </a:stretch>
+        </p:blipFill>
+        <p:spPr>
+          <a:xfrm>
+            <a:off x="3630653" y="1825625"/>
+            <a:ext cx="4930694" cy="4351338"/>
+          </a:xfrm>
+          <a:prstGeom prst="rect">
+            <a:avLst/>
+          </a:prstGeom>
+        </p:spPr>
+      </p:pic>
+      <p:sp>
+        <p:nvSpPr>
+          <p:cNvPr id="5" name="TextBox 4">
+            <a:extLst>
+              <a:ext uri="{FF2B5EF4-FFF2-40B4-BE49-F238E27FC236}">
+                <a16:creationId xmlns:a16="http://schemas.microsoft.com/office/drawing/2014/main" id="{6E56AD75-7DF2-4D6C-A032-B13236A4CDD8}"/>
+              </a:ext>
+            </a:extLst>
+          </p:cNvPr>
+          <p:cNvSpPr txBox="1"/>
+          <p:nvPr/>
+        </p:nvSpPr>
+        <p:spPr>
+          <a:xfrm>
+            <a:off x="737826" y="2673832"/>
+            <a:ext cx="1721595" cy="369332"/>
+          </a:xfrm>
+          <a:prstGeom prst="rect">
+            <a:avLst/>
+          </a:prstGeom>
+          <a:noFill/>
+        </p:spPr>
+        <p:txBody>
+          <a:bodyPr wrap="square" rtlCol="0">
+            <a:spAutoFit/>
+          </a:bodyPr>
+          <a:lstStyle/>
+          <a:p>
+            <a:r>
+              <a:rPr lang="en-US" dirty="0"/>
+              <a:t>m52_n24</a:t>
+            </a:r>
             <a:endParaRPr lang="LID4096" dirty="0"/>
           </a:p>
         </p:txBody>
@@ -3905,7 +4169,7 @@
 </p:sld>
 </file>
 
-<file path=ppt/slides/slide6.xml><?xml version="1.0" encoding="utf-8"?>
+<file path=ppt/slides/slide8.xml><?xml version="1.0" encoding="utf-8"?>
 <p:sld xmlns:a="http://schemas.openxmlformats.org/drawingml/2006/main" xmlns:r="http://schemas.openxmlformats.org/officeDocument/2006/relationships" xmlns:p="http://schemas.openxmlformats.org/presentationml/2006/main">
   <p:cSld>
     <p:spTree>

--- a/figures/figures.pptx
+++ b/figures/figures.pptx
@@ -12,7 +12,8 @@
     <p:sldId id="263" r:id="rId6"/>
     <p:sldId id="262" r:id="rId7"/>
     <p:sldId id="259" r:id="rId8"/>
-    <p:sldId id="260" r:id="rId9"/>
+    <p:sldId id="264" r:id="rId9"/>
+    <p:sldId id="260" r:id="rId10"/>
   </p:sldIdLst>
   <p:sldSz cx="12192000" cy="6858000"/>
   <p:notesSz cx="6858000" cy="9144000"/>
@@ -4186,6 +4187,502 @@
           <a:chExt cx="0" cy="0"/>
         </a:xfrm>
       </p:grpSpPr>
+      <p:pic>
+        <p:nvPicPr>
+          <p:cNvPr id="28" name="Picture 27">
+            <a:extLst>
+              <a:ext uri="{FF2B5EF4-FFF2-40B4-BE49-F238E27FC236}">
+                <a16:creationId xmlns:a16="http://schemas.microsoft.com/office/drawing/2014/main" id="{2EA4A003-9CDF-4D58-B68A-9AAB5B6948CF}"/>
+              </a:ext>
+            </a:extLst>
+          </p:cNvPr>
+          <p:cNvPicPr>
+            <a:picLocks noChangeAspect="1"/>
+          </p:cNvPicPr>
+          <p:nvPr/>
+        </p:nvPicPr>
+        <p:blipFill>
+          <a:blip r:embed="rId2"/>
+          <a:stretch>
+            <a:fillRect/>
+          </a:stretch>
+        </p:blipFill>
+        <p:spPr>
+          <a:xfrm>
+            <a:off x="1771862" y="4081522"/>
+            <a:ext cx="4804064" cy="2670279"/>
+          </a:xfrm>
+          <a:prstGeom prst="rect">
+            <a:avLst/>
+          </a:prstGeom>
+        </p:spPr>
+      </p:pic>
+      <p:pic>
+        <p:nvPicPr>
+          <p:cNvPr id="21" name="Picture 20">
+            <a:extLst>
+              <a:ext uri="{FF2B5EF4-FFF2-40B4-BE49-F238E27FC236}">
+                <a16:creationId xmlns:a16="http://schemas.microsoft.com/office/drawing/2014/main" id="{3E1D6439-8DC6-487E-9D68-949E405EAD86}"/>
+              </a:ext>
+            </a:extLst>
+          </p:cNvPr>
+          <p:cNvPicPr>
+            <a:picLocks noChangeAspect="1"/>
+          </p:cNvPicPr>
+          <p:nvPr/>
+        </p:nvPicPr>
+        <p:blipFill>
+          <a:blip r:embed="rId3"/>
+          <a:stretch>
+            <a:fillRect/>
+          </a:stretch>
+        </p:blipFill>
+        <p:spPr>
+          <a:xfrm>
+            <a:off x="6575926" y="4081522"/>
+            <a:ext cx="4804064" cy="2670279"/>
+          </a:xfrm>
+          <a:prstGeom prst="rect">
+            <a:avLst/>
+          </a:prstGeom>
+        </p:spPr>
+      </p:pic>
+      <p:sp>
+        <p:nvSpPr>
+          <p:cNvPr id="2" name="Title 1">
+            <a:extLst>
+              <a:ext uri="{FF2B5EF4-FFF2-40B4-BE49-F238E27FC236}">
+                <a16:creationId xmlns:a16="http://schemas.microsoft.com/office/drawing/2014/main" id="{584304D2-6CB2-47BF-A402-6F7D2FF4C7AC}"/>
+              </a:ext>
+            </a:extLst>
+          </p:cNvPr>
+          <p:cNvSpPr>
+            <a:spLocks noGrp="1"/>
+          </p:cNvSpPr>
+          <p:nvPr>
+            <p:ph type="title"/>
+          </p:nvPr>
+        </p:nvSpPr>
+        <p:spPr>
+          <a:xfrm>
+            <a:off x="838200" y="243824"/>
+            <a:ext cx="10515600" cy="1325563"/>
+          </a:xfrm>
+        </p:spPr>
+        <p:txBody>
+          <a:bodyPr/>
+          <a:lstStyle/>
+          <a:p>
+            <a:endParaRPr lang="LID4096"/>
+          </a:p>
+        </p:txBody>
+      </p:sp>
+      <p:pic>
+        <p:nvPicPr>
+          <p:cNvPr id="5" name="Content Placeholder 4">
+            <a:extLst>
+              <a:ext uri="{FF2B5EF4-FFF2-40B4-BE49-F238E27FC236}">
+                <a16:creationId xmlns:a16="http://schemas.microsoft.com/office/drawing/2014/main" id="{59BB58DB-A860-43EA-B18E-668FFB811BD1}"/>
+              </a:ext>
+            </a:extLst>
+          </p:cNvPr>
+          <p:cNvPicPr>
+            <a:picLocks noGrp="1" noChangeAspect="1"/>
+          </p:cNvPicPr>
+          <p:nvPr>
+            <p:ph idx="1"/>
+          </p:nvPr>
+        </p:nvPicPr>
+        <p:blipFill rotWithShape="1">
+          <a:blip r:embed="rId4"/>
+          <a:srcRect b="11245"/>
+          <a:stretch/>
+        </p:blipFill>
+        <p:spPr>
+          <a:xfrm>
+            <a:off x="1771862" y="2103267"/>
+            <a:ext cx="4804064" cy="2375424"/>
+          </a:xfrm>
+          <a:prstGeom prst="rect">
+            <a:avLst/>
+          </a:prstGeom>
+        </p:spPr>
+      </p:pic>
+      <p:pic>
+        <p:nvPicPr>
+          <p:cNvPr id="6" name="Picture 5">
+            <a:extLst>
+              <a:ext uri="{FF2B5EF4-FFF2-40B4-BE49-F238E27FC236}">
+                <a16:creationId xmlns:a16="http://schemas.microsoft.com/office/drawing/2014/main" id="{CD238876-1A08-4849-9566-B44A67A0974A}"/>
+              </a:ext>
+            </a:extLst>
+          </p:cNvPr>
+          <p:cNvPicPr>
+            <a:picLocks noChangeAspect="1"/>
+          </p:cNvPicPr>
+          <p:nvPr/>
+        </p:nvPicPr>
+        <p:blipFill rotWithShape="1">
+          <a:blip r:embed="rId5"/>
+          <a:srcRect b="11245"/>
+          <a:stretch/>
+        </p:blipFill>
+        <p:spPr>
+          <a:xfrm>
+            <a:off x="6575926" y="2103267"/>
+            <a:ext cx="4804064" cy="2375424"/>
+          </a:xfrm>
+          <a:prstGeom prst="rect">
+            <a:avLst/>
+          </a:prstGeom>
+        </p:spPr>
+      </p:pic>
+      <p:cxnSp>
+        <p:nvCxnSpPr>
+          <p:cNvPr id="15" name="Straight Connector 14">
+            <a:extLst>
+              <a:ext uri="{FF2B5EF4-FFF2-40B4-BE49-F238E27FC236}">
+                <a16:creationId xmlns:a16="http://schemas.microsoft.com/office/drawing/2014/main" id="{F27821EC-2E66-4F2C-875A-C54A1ED6F500}"/>
+              </a:ext>
+            </a:extLst>
+          </p:cNvPr>
+          <p:cNvCxnSpPr>
+            <a:cxnSpLocks/>
+          </p:cNvCxnSpPr>
+          <p:nvPr/>
+        </p:nvCxnSpPr>
+        <p:spPr>
+          <a:xfrm flipV="1">
+            <a:off x="8389777" y="2487336"/>
+            <a:ext cx="0" cy="3577559"/>
+          </a:xfrm>
+          <a:prstGeom prst="line">
+            <a:avLst/>
+          </a:prstGeom>
+          <a:ln w="12700">
+            <a:prstDash val="dash"/>
+          </a:ln>
+        </p:spPr>
+        <p:style>
+          <a:lnRef idx="1">
+            <a:schemeClr val="accent1"/>
+          </a:lnRef>
+          <a:fillRef idx="0">
+            <a:schemeClr val="accent1"/>
+          </a:fillRef>
+          <a:effectRef idx="0">
+            <a:schemeClr val="accent1"/>
+          </a:effectRef>
+          <a:fontRef idx="minor">
+            <a:schemeClr val="tx1"/>
+          </a:fontRef>
+        </p:style>
+      </p:cxnSp>
+      <p:sp>
+        <p:nvSpPr>
+          <p:cNvPr id="16" name="TextBox 15">
+            <a:extLst>
+              <a:ext uri="{FF2B5EF4-FFF2-40B4-BE49-F238E27FC236}">
+                <a16:creationId xmlns:a16="http://schemas.microsoft.com/office/drawing/2014/main" id="{9B752310-3950-4C80-8AB0-2164013FC031}"/>
+              </a:ext>
+            </a:extLst>
+          </p:cNvPr>
+          <p:cNvSpPr txBox="1"/>
+          <p:nvPr/>
+        </p:nvSpPr>
+        <p:spPr>
+          <a:xfrm>
+            <a:off x="8264950" y="3916406"/>
+            <a:ext cx="441367" cy="276999"/>
+          </a:xfrm>
+          <a:prstGeom prst="rect">
+            <a:avLst/>
+          </a:prstGeom>
+          <a:solidFill>
+            <a:schemeClr val="bg1"/>
+          </a:solidFill>
+        </p:spPr>
+        <p:txBody>
+          <a:bodyPr wrap="square" rtlCol="0">
+            <a:spAutoFit/>
+          </a:bodyPr>
+          <a:lstStyle/>
+          <a:p>
+            <a:r>
+              <a:rPr lang="en-US" sz="1200" dirty="0"/>
+              <a:t>n</a:t>
+            </a:r>
+            <a:endParaRPr lang="LID4096" sz="1200" dirty="0"/>
+          </a:p>
+        </p:txBody>
+      </p:sp>
+      <p:cxnSp>
+        <p:nvCxnSpPr>
+          <p:cNvPr id="17" name="Straight Connector 16">
+            <a:extLst>
+              <a:ext uri="{FF2B5EF4-FFF2-40B4-BE49-F238E27FC236}">
+                <a16:creationId xmlns:a16="http://schemas.microsoft.com/office/drawing/2014/main" id="{B44D17B5-D392-4555-9952-31FCC4F132F0}"/>
+              </a:ext>
+            </a:extLst>
+          </p:cNvPr>
+          <p:cNvCxnSpPr>
+            <a:cxnSpLocks/>
+          </p:cNvCxnSpPr>
+          <p:nvPr/>
+        </p:nvCxnSpPr>
+        <p:spPr>
+          <a:xfrm flipV="1">
+            <a:off x="9338597" y="2501332"/>
+            <a:ext cx="0" cy="3544902"/>
+          </a:xfrm>
+          <a:prstGeom prst="line">
+            <a:avLst/>
+          </a:prstGeom>
+          <a:ln w="12700">
+            <a:prstDash val="dash"/>
+          </a:ln>
+        </p:spPr>
+        <p:style>
+          <a:lnRef idx="1">
+            <a:schemeClr val="accent1"/>
+          </a:lnRef>
+          <a:fillRef idx="0">
+            <a:schemeClr val="accent1"/>
+          </a:fillRef>
+          <a:effectRef idx="0">
+            <a:schemeClr val="accent1"/>
+          </a:effectRef>
+          <a:fontRef idx="minor">
+            <a:schemeClr val="tx1"/>
+          </a:fontRef>
+        </p:style>
+      </p:cxnSp>
+      <p:sp>
+        <p:nvSpPr>
+          <p:cNvPr id="18" name="TextBox 17">
+            <a:extLst>
+              <a:ext uri="{FF2B5EF4-FFF2-40B4-BE49-F238E27FC236}">
+                <a16:creationId xmlns:a16="http://schemas.microsoft.com/office/drawing/2014/main" id="{A98B2A64-700F-4078-B58F-2A43E4056345}"/>
+              </a:ext>
+            </a:extLst>
+          </p:cNvPr>
+          <p:cNvSpPr txBox="1"/>
+          <p:nvPr/>
+        </p:nvSpPr>
+        <p:spPr>
+          <a:xfrm>
+            <a:off x="9117913" y="3860465"/>
+            <a:ext cx="441367" cy="276999"/>
+          </a:xfrm>
+          <a:prstGeom prst="rect">
+            <a:avLst/>
+          </a:prstGeom>
+          <a:solidFill>
+            <a:schemeClr val="bg1"/>
+          </a:solidFill>
+        </p:spPr>
+        <p:txBody>
+          <a:bodyPr wrap="square" rtlCol="0">
+            <a:spAutoFit/>
+          </a:bodyPr>
+          <a:lstStyle/>
+          <a:p>
+            <a:r>
+              <a:rPr lang="en-US" sz="1200" dirty="0"/>
+              <a:t>2n</a:t>
+            </a:r>
+            <a:endParaRPr lang="LID4096" sz="1200" dirty="0"/>
+          </a:p>
+        </p:txBody>
+      </p:sp>
+      <p:cxnSp>
+        <p:nvCxnSpPr>
+          <p:cNvPr id="29" name="Straight Connector 28">
+            <a:extLst>
+              <a:ext uri="{FF2B5EF4-FFF2-40B4-BE49-F238E27FC236}">
+                <a16:creationId xmlns:a16="http://schemas.microsoft.com/office/drawing/2014/main" id="{2152B423-23EE-4A49-921C-98608878616A}"/>
+              </a:ext>
+            </a:extLst>
+          </p:cNvPr>
+          <p:cNvCxnSpPr>
+            <a:cxnSpLocks/>
+          </p:cNvCxnSpPr>
+          <p:nvPr/>
+        </p:nvCxnSpPr>
+        <p:spPr>
+          <a:xfrm flipV="1">
+            <a:off x="3261049" y="2506899"/>
+            <a:ext cx="0" cy="3577559"/>
+          </a:xfrm>
+          <a:prstGeom prst="line">
+            <a:avLst/>
+          </a:prstGeom>
+          <a:ln w="12700">
+            <a:prstDash val="dash"/>
+          </a:ln>
+        </p:spPr>
+        <p:style>
+          <a:lnRef idx="1">
+            <a:schemeClr val="accent1"/>
+          </a:lnRef>
+          <a:fillRef idx="0">
+            <a:schemeClr val="accent1"/>
+          </a:fillRef>
+          <a:effectRef idx="0">
+            <a:schemeClr val="accent1"/>
+          </a:effectRef>
+          <a:fontRef idx="minor">
+            <a:schemeClr val="tx1"/>
+          </a:fontRef>
+        </p:style>
+      </p:cxnSp>
+      <p:sp>
+        <p:nvSpPr>
+          <p:cNvPr id="30" name="TextBox 29">
+            <a:extLst>
+              <a:ext uri="{FF2B5EF4-FFF2-40B4-BE49-F238E27FC236}">
+                <a16:creationId xmlns:a16="http://schemas.microsoft.com/office/drawing/2014/main" id="{0B6F615E-B2A2-4897-A3C4-FA9396B57302}"/>
+              </a:ext>
+            </a:extLst>
+          </p:cNvPr>
+          <p:cNvSpPr txBox="1"/>
+          <p:nvPr/>
+        </p:nvSpPr>
+        <p:spPr>
+          <a:xfrm>
+            <a:off x="3144348" y="3943022"/>
+            <a:ext cx="337386" cy="276999"/>
+          </a:xfrm>
+          <a:prstGeom prst="rect">
+            <a:avLst/>
+          </a:prstGeom>
+          <a:solidFill>
+            <a:schemeClr val="bg1"/>
+          </a:solidFill>
+        </p:spPr>
+        <p:txBody>
+          <a:bodyPr wrap="square" rtlCol="0">
+            <a:spAutoFit/>
+          </a:bodyPr>
+          <a:lstStyle/>
+          <a:p>
+            <a:r>
+              <a:rPr lang="en-US" sz="1200" dirty="0"/>
+              <a:t>n</a:t>
+            </a:r>
+            <a:endParaRPr lang="LID4096" sz="1200" dirty="0"/>
+          </a:p>
+        </p:txBody>
+      </p:sp>
+      <p:cxnSp>
+        <p:nvCxnSpPr>
+          <p:cNvPr id="31" name="Straight Connector 30">
+            <a:extLst>
+              <a:ext uri="{FF2B5EF4-FFF2-40B4-BE49-F238E27FC236}">
+                <a16:creationId xmlns:a16="http://schemas.microsoft.com/office/drawing/2014/main" id="{D7DECBC9-0E2E-41E2-AB96-636416607EBB}"/>
+              </a:ext>
+            </a:extLst>
+          </p:cNvPr>
+          <p:cNvCxnSpPr>
+            <a:cxnSpLocks/>
+          </p:cNvCxnSpPr>
+          <p:nvPr/>
+        </p:nvCxnSpPr>
+        <p:spPr>
+          <a:xfrm flipV="1">
+            <a:off x="4209869" y="2520895"/>
+            <a:ext cx="0" cy="3544902"/>
+          </a:xfrm>
+          <a:prstGeom prst="line">
+            <a:avLst/>
+          </a:prstGeom>
+          <a:ln w="12700">
+            <a:prstDash val="dash"/>
+          </a:ln>
+        </p:spPr>
+        <p:style>
+          <a:lnRef idx="1">
+            <a:schemeClr val="accent1"/>
+          </a:lnRef>
+          <a:fillRef idx="0">
+            <a:schemeClr val="accent1"/>
+          </a:fillRef>
+          <a:effectRef idx="0">
+            <a:schemeClr val="accent1"/>
+          </a:effectRef>
+          <a:fontRef idx="minor">
+            <a:schemeClr val="tx1"/>
+          </a:fontRef>
+        </p:style>
+      </p:cxnSp>
+      <p:sp>
+        <p:nvSpPr>
+          <p:cNvPr id="32" name="TextBox 31">
+            <a:extLst>
+              <a:ext uri="{FF2B5EF4-FFF2-40B4-BE49-F238E27FC236}">
+                <a16:creationId xmlns:a16="http://schemas.microsoft.com/office/drawing/2014/main" id="{5D71AAC3-154E-4F56-AE6F-30B3FE6AF7BB}"/>
+              </a:ext>
+            </a:extLst>
+          </p:cNvPr>
+          <p:cNvSpPr txBox="1"/>
+          <p:nvPr/>
+        </p:nvSpPr>
+        <p:spPr>
+          <a:xfrm>
+            <a:off x="3981755" y="3879195"/>
+            <a:ext cx="441367" cy="276999"/>
+          </a:xfrm>
+          <a:prstGeom prst="rect">
+            <a:avLst/>
+          </a:prstGeom>
+          <a:solidFill>
+            <a:schemeClr val="bg1"/>
+          </a:solidFill>
+        </p:spPr>
+        <p:txBody>
+          <a:bodyPr wrap="square" rtlCol="0">
+            <a:spAutoFit/>
+          </a:bodyPr>
+          <a:lstStyle/>
+          <a:p>
+            <a:r>
+              <a:rPr lang="en-US" sz="1200" dirty="0"/>
+              <a:t>2n</a:t>
+            </a:r>
+            <a:endParaRPr lang="LID4096" sz="1200" dirty="0"/>
+          </a:p>
+        </p:txBody>
+      </p:sp>
+    </p:spTree>
+    <p:extLst>
+      <p:ext uri="{BB962C8B-B14F-4D97-AF65-F5344CB8AC3E}">
+        <p14:creationId xmlns:p14="http://schemas.microsoft.com/office/powerpoint/2010/main" val="3391765133"/>
+      </p:ext>
+    </p:extLst>
+  </p:cSld>
+  <p:clrMapOvr>
+    <a:masterClrMapping/>
+  </p:clrMapOvr>
+</p:sld>
+</file>
+
+<file path=ppt/slides/slide9.xml><?xml version="1.0" encoding="utf-8"?>
+<p:sld xmlns:a="http://schemas.openxmlformats.org/drawingml/2006/main" xmlns:r="http://schemas.openxmlformats.org/officeDocument/2006/relationships" xmlns:p="http://schemas.openxmlformats.org/presentationml/2006/main">
+  <p:cSld>
+    <p:spTree>
+      <p:nvGrpSpPr>
+        <p:cNvPr id="1" name=""/>
+        <p:cNvGrpSpPr/>
+        <p:nvPr/>
+      </p:nvGrpSpPr>
+      <p:grpSpPr>
+        <a:xfrm>
+          <a:off x="0" y="0"/>
+          <a:ext cx="0" cy="0"/>
+          <a:chOff x="0" y="0"/>
+          <a:chExt cx="0" cy="0"/>
+        </a:xfrm>
+      </p:grpSpPr>
       <p:sp>
         <p:nvSpPr>
           <p:cNvPr id="2" name="Title 1">

--- a/figures/figures.pptx
+++ b/figures/figures.pptx
@@ -14,6 +14,7 @@
     <p:sldId id="259" r:id="rId8"/>
     <p:sldId id="264" r:id="rId9"/>
     <p:sldId id="260" r:id="rId10"/>
+    <p:sldId id="265" r:id="rId11"/>
   </p:sldIdLst>
   <p:sldSz cx="12192000" cy="6858000"/>
   <p:notesSz cx="6858000" cy="9144000"/>
@@ -3532,6 +3533,125 @@
 </p:sld>
 </file>
 
+<file path=ppt/slides/slide10.xml><?xml version="1.0" encoding="utf-8"?>
+<p:sld xmlns:a="http://schemas.openxmlformats.org/drawingml/2006/main" xmlns:r="http://schemas.openxmlformats.org/officeDocument/2006/relationships" xmlns:p="http://schemas.openxmlformats.org/presentationml/2006/main">
+  <p:cSld>
+    <p:spTree>
+      <p:nvGrpSpPr>
+        <p:cNvPr id="1" name=""/>
+        <p:cNvGrpSpPr/>
+        <p:nvPr/>
+      </p:nvGrpSpPr>
+      <p:grpSpPr>
+        <a:xfrm>
+          <a:off x="0" y="0"/>
+          <a:ext cx="0" cy="0"/>
+          <a:chOff x="0" y="0"/>
+          <a:chExt cx="0" cy="0"/>
+        </a:xfrm>
+      </p:grpSpPr>
+      <p:sp>
+        <p:nvSpPr>
+          <p:cNvPr id="2" name="Title 1">
+            <a:extLst>
+              <a:ext uri="{FF2B5EF4-FFF2-40B4-BE49-F238E27FC236}">
+                <a16:creationId xmlns:a16="http://schemas.microsoft.com/office/drawing/2014/main" id="{3A7D2A52-FB38-421C-AE5A-BE1D4D89882C}"/>
+              </a:ext>
+            </a:extLst>
+          </p:cNvPr>
+          <p:cNvSpPr>
+            <a:spLocks noGrp="1"/>
+          </p:cNvSpPr>
+          <p:nvPr>
+            <p:ph type="title"/>
+          </p:nvPr>
+        </p:nvSpPr>
+        <p:spPr/>
+        <p:txBody>
+          <a:bodyPr/>
+          <a:lstStyle/>
+          <a:p>
+            <a:r>
+              <a:rPr lang="en-US" dirty="0"/>
+              <a:t>All algorithms</a:t>
+            </a:r>
+            <a:endParaRPr lang="LID4096" dirty="0"/>
+          </a:p>
+        </p:txBody>
+      </p:sp>
+      <p:pic>
+        <p:nvPicPr>
+          <p:cNvPr id="5" name="Picture 4">
+            <a:extLst>
+              <a:ext uri="{FF2B5EF4-FFF2-40B4-BE49-F238E27FC236}">
+                <a16:creationId xmlns:a16="http://schemas.microsoft.com/office/drawing/2014/main" id="{D4498638-EB85-443E-8F98-695B22003EE3}"/>
+              </a:ext>
+            </a:extLst>
+          </p:cNvPr>
+          <p:cNvPicPr>
+            <a:picLocks noChangeAspect="1"/>
+          </p:cNvPicPr>
+          <p:nvPr/>
+        </p:nvPicPr>
+        <p:blipFill>
+          <a:blip r:embed="rId2"/>
+          <a:stretch>
+            <a:fillRect/>
+          </a:stretch>
+        </p:blipFill>
+        <p:spPr>
+          <a:xfrm>
+            <a:off x="1904051" y="2144491"/>
+            <a:ext cx="4651651" cy="2755631"/>
+          </a:xfrm>
+          <a:prstGeom prst="rect">
+            <a:avLst/>
+          </a:prstGeom>
+        </p:spPr>
+      </p:pic>
+      <p:pic>
+        <p:nvPicPr>
+          <p:cNvPr id="6" name="Picture 5">
+            <a:extLst>
+              <a:ext uri="{FF2B5EF4-FFF2-40B4-BE49-F238E27FC236}">
+                <a16:creationId xmlns:a16="http://schemas.microsoft.com/office/drawing/2014/main" id="{AAB6F108-75F5-4769-A992-4A230DD82F28}"/>
+              </a:ext>
+            </a:extLst>
+          </p:cNvPr>
+          <p:cNvPicPr>
+            <a:picLocks noChangeAspect="1"/>
+          </p:cNvPicPr>
+          <p:nvPr/>
+        </p:nvPicPr>
+        <p:blipFill>
+          <a:blip r:embed="rId3"/>
+          <a:stretch>
+            <a:fillRect/>
+          </a:stretch>
+        </p:blipFill>
+        <p:spPr>
+          <a:xfrm>
+            <a:off x="6555702" y="2144491"/>
+            <a:ext cx="4651651" cy="2755631"/>
+          </a:xfrm>
+          <a:prstGeom prst="rect">
+            <a:avLst/>
+          </a:prstGeom>
+        </p:spPr>
+      </p:pic>
+    </p:spTree>
+    <p:extLst>
+      <p:ext uri="{BB962C8B-B14F-4D97-AF65-F5344CB8AC3E}">
+        <p14:creationId xmlns:p14="http://schemas.microsoft.com/office/powerpoint/2010/main" val="3469685972"/>
+      </p:ext>
+    </p:extLst>
+  </p:cSld>
+  <p:clrMapOvr>
+    <a:masterClrMapping/>
+  </p:clrMapOvr>
+</p:sld>
+</file>
+
 <file path=ppt/slides/slide2.xml><?xml version="1.0" encoding="utf-8"?>
 <p:sld xmlns:a="http://schemas.openxmlformats.org/drawingml/2006/main" xmlns:r="http://schemas.openxmlformats.org/officeDocument/2006/relationships" xmlns:p="http://schemas.openxmlformats.org/presentationml/2006/main">
   <p:cSld>

--- a/figures/figures.pptx
+++ b/figures/figures.pptx
@@ -15,6 +15,7 @@
     <p:sldId id="264" r:id="rId9"/>
     <p:sldId id="260" r:id="rId10"/>
     <p:sldId id="265" r:id="rId11"/>
+    <p:sldId id="266" r:id="rId12"/>
   </p:sldIdLst>
   <p:sldSz cx="12192000" cy="6858000"/>
   <p:notesSz cx="6858000" cy="9144000"/>
@@ -270,7 +271,7 @@
           <a:p>
             <a:fld id="{BF73D9C4-3BB7-45A0-ADB6-709835E05379}" type="datetimeFigureOut">
               <a:rPr lang="LID4096" smtClean="0"/>
-              <a:t>08/12/2019</a:t>
+              <a:t>08/13/2019</a:t>
             </a:fld>
             <a:endParaRPr lang="LID4096"/>
           </a:p>
@@ -470,7 +471,7 @@
           <a:p>
             <a:fld id="{BF73D9C4-3BB7-45A0-ADB6-709835E05379}" type="datetimeFigureOut">
               <a:rPr lang="LID4096" smtClean="0"/>
-              <a:t>08/12/2019</a:t>
+              <a:t>08/13/2019</a:t>
             </a:fld>
             <a:endParaRPr lang="LID4096"/>
           </a:p>
@@ -680,7 +681,7 @@
           <a:p>
             <a:fld id="{BF73D9C4-3BB7-45A0-ADB6-709835E05379}" type="datetimeFigureOut">
               <a:rPr lang="LID4096" smtClean="0"/>
-              <a:t>08/12/2019</a:t>
+              <a:t>08/13/2019</a:t>
             </a:fld>
             <a:endParaRPr lang="LID4096"/>
           </a:p>
@@ -880,7 +881,7 @@
           <a:p>
             <a:fld id="{BF73D9C4-3BB7-45A0-ADB6-709835E05379}" type="datetimeFigureOut">
               <a:rPr lang="LID4096" smtClean="0"/>
-              <a:t>08/12/2019</a:t>
+              <a:t>08/13/2019</a:t>
             </a:fld>
             <a:endParaRPr lang="LID4096"/>
           </a:p>
@@ -1156,7 +1157,7 @@
           <a:p>
             <a:fld id="{BF73D9C4-3BB7-45A0-ADB6-709835E05379}" type="datetimeFigureOut">
               <a:rPr lang="LID4096" smtClean="0"/>
-              <a:t>08/12/2019</a:t>
+              <a:t>08/13/2019</a:t>
             </a:fld>
             <a:endParaRPr lang="LID4096"/>
           </a:p>
@@ -1424,7 +1425,7 @@
           <a:p>
             <a:fld id="{BF73D9C4-3BB7-45A0-ADB6-709835E05379}" type="datetimeFigureOut">
               <a:rPr lang="LID4096" smtClean="0"/>
-              <a:t>08/12/2019</a:t>
+              <a:t>08/13/2019</a:t>
             </a:fld>
             <a:endParaRPr lang="LID4096"/>
           </a:p>
@@ -1839,7 +1840,7 @@
           <a:p>
             <a:fld id="{BF73D9C4-3BB7-45A0-ADB6-709835E05379}" type="datetimeFigureOut">
               <a:rPr lang="LID4096" smtClean="0"/>
-              <a:t>08/12/2019</a:t>
+              <a:t>08/13/2019</a:t>
             </a:fld>
             <a:endParaRPr lang="LID4096"/>
           </a:p>
@@ -1981,7 +1982,7 @@
           <a:p>
             <a:fld id="{BF73D9C4-3BB7-45A0-ADB6-709835E05379}" type="datetimeFigureOut">
               <a:rPr lang="LID4096" smtClean="0"/>
-              <a:t>08/12/2019</a:t>
+              <a:t>08/13/2019</a:t>
             </a:fld>
             <a:endParaRPr lang="LID4096"/>
           </a:p>
@@ -2094,7 +2095,7 @@
           <a:p>
             <a:fld id="{BF73D9C4-3BB7-45A0-ADB6-709835E05379}" type="datetimeFigureOut">
               <a:rPr lang="LID4096" smtClean="0"/>
-              <a:t>08/12/2019</a:t>
+              <a:t>08/13/2019</a:t>
             </a:fld>
             <a:endParaRPr lang="LID4096"/>
           </a:p>
@@ -2407,7 +2408,7 @@
           <a:p>
             <a:fld id="{BF73D9C4-3BB7-45A0-ADB6-709835E05379}" type="datetimeFigureOut">
               <a:rPr lang="LID4096" smtClean="0"/>
-              <a:t>08/12/2019</a:t>
+              <a:t>08/13/2019</a:t>
             </a:fld>
             <a:endParaRPr lang="LID4096"/>
           </a:p>
@@ -2696,7 +2697,7 @@
           <a:p>
             <a:fld id="{BF73D9C4-3BB7-45A0-ADB6-709835E05379}" type="datetimeFigureOut">
               <a:rPr lang="LID4096" smtClean="0"/>
-              <a:t>08/12/2019</a:t>
+              <a:t>08/13/2019</a:t>
             </a:fld>
             <a:endParaRPr lang="LID4096"/>
           </a:p>
@@ -2939,7 +2940,7 @@
           <a:p>
             <a:fld id="{BF73D9C4-3BB7-45A0-ADB6-709835E05379}" type="datetimeFigureOut">
               <a:rPr lang="LID4096" smtClean="0"/>
-              <a:t>08/12/2019</a:t>
+              <a:t>08/13/2019</a:t>
             </a:fld>
             <a:endParaRPr lang="LID4096"/>
           </a:p>
@@ -3652,6 +3653,139 @@
 </p:sld>
 </file>
 
+<file path=ppt/slides/slide11.xml><?xml version="1.0" encoding="utf-8"?>
+<p:sld xmlns:a="http://schemas.openxmlformats.org/drawingml/2006/main" xmlns:r="http://schemas.openxmlformats.org/officeDocument/2006/relationships" xmlns:p="http://schemas.openxmlformats.org/presentationml/2006/main">
+  <p:cSld>
+    <p:spTree>
+      <p:nvGrpSpPr>
+        <p:cNvPr id="1" name=""/>
+        <p:cNvGrpSpPr/>
+        <p:nvPr/>
+      </p:nvGrpSpPr>
+      <p:grpSpPr>
+        <a:xfrm>
+          <a:off x="0" y="0"/>
+          <a:ext cx="0" cy="0"/>
+          <a:chOff x="0" y="0"/>
+          <a:chExt cx="0" cy="0"/>
+        </a:xfrm>
+      </p:grpSpPr>
+      <p:sp>
+        <p:nvSpPr>
+          <p:cNvPr id="2" name="Title 1">
+            <a:extLst>
+              <a:ext uri="{FF2B5EF4-FFF2-40B4-BE49-F238E27FC236}">
+                <a16:creationId xmlns:a16="http://schemas.microsoft.com/office/drawing/2014/main" id="{AF89D74E-9C75-48CD-8A28-A83AE82086BD}"/>
+              </a:ext>
+            </a:extLst>
+          </p:cNvPr>
+          <p:cNvSpPr>
+            <a:spLocks noGrp="1"/>
+          </p:cNvSpPr>
+          <p:nvPr>
+            <p:ph type="title"/>
+          </p:nvPr>
+        </p:nvSpPr>
+        <p:spPr/>
+        <p:txBody>
+          <a:bodyPr/>
+          <a:lstStyle/>
+          <a:p>
+            <a:endParaRPr lang="LID4096"/>
+          </a:p>
+        </p:txBody>
+      </p:sp>
+      <p:pic>
+        <p:nvPicPr>
+          <p:cNvPr id="4" name="Picture 3">
+            <a:extLst>
+              <a:ext uri="{FF2B5EF4-FFF2-40B4-BE49-F238E27FC236}">
+                <a16:creationId xmlns:a16="http://schemas.microsoft.com/office/drawing/2014/main" id="{264607FA-30C3-42C7-9087-F74A8648D43D}"/>
+              </a:ext>
+            </a:extLst>
+          </p:cNvPr>
+          <p:cNvPicPr>
+            <a:picLocks noChangeAspect="1"/>
+          </p:cNvPicPr>
+          <p:nvPr/>
+        </p:nvPicPr>
+        <p:blipFill>
+          <a:blip r:embed="rId2"/>
+          <a:stretch>
+            <a:fillRect/>
+          </a:stretch>
+        </p:blipFill>
+        <p:spPr>
+          <a:xfrm>
+            <a:off x="3686907" y="2788302"/>
+            <a:ext cx="4109060" cy="2755631"/>
+          </a:xfrm>
+          <a:prstGeom prst="rect">
+            <a:avLst/>
+          </a:prstGeom>
+        </p:spPr>
+      </p:pic>
+      <p:sp>
+        <p:nvSpPr>
+          <p:cNvPr id="5" name="TextBox 4">
+            <a:extLst>
+              <a:ext uri="{FF2B5EF4-FFF2-40B4-BE49-F238E27FC236}">
+                <a16:creationId xmlns:a16="http://schemas.microsoft.com/office/drawing/2014/main" id="{00EA1D04-7B55-4665-974E-0F330EE310D3}"/>
+              </a:ext>
+            </a:extLst>
+          </p:cNvPr>
+          <p:cNvSpPr txBox="1"/>
+          <p:nvPr/>
+        </p:nvSpPr>
+        <p:spPr>
+          <a:xfrm>
+            <a:off x="5719668" y="4413381"/>
+            <a:ext cx="1614196" cy="369332"/>
+          </a:xfrm>
+          <a:prstGeom prst="rect">
+            <a:avLst/>
+          </a:prstGeom>
+          <a:noFill/>
+        </p:spPr>
+        <p:txBody>
+          <a:bodyPr wrap="square" rtlCol="0">
+            <a:spAutoFit/>
+          </a:bodyPr>
+          <a:lstStyle/>
+          <a:p>
+            <a:r>
+              <a:rPr lang="en-US" dirty="0">
+                <a:solidFill>
+                  <a:schemeClr val="bg1">
+                    <a:lumMod val="50000"/>
+                  </a:schemeClr>
+                </a:solidFill>
+              </a:rPr>
+              <a:t>x</a:t>
+            </a:r>
+            <a:endParaRPr lang="LID4096" dirty="0">
+              <a:solidFill>
+                <a:schemeClr val="bg1">
+                  <a:lumMod val="50000"/>
+                </a:schemeClr>
+              </a:solidFill>
+            </a:endParaRPr>
+          </a:p>
+        </p:txBody>
+      </p:sp>
+    </p:spTree>
+    <p:extLst>
+      <p:ext uri="{BB962C8B-B14F-4D97-AF65-F5344CB8AC3E}">
+        <p14:creationId xmlns:p14="http://schemas.microsoft.com/office/powerpoint/2010/main" val="214041352"/>
+      </p:ext>
+    </p:extLst>
+  </p:cSld>
+  <p:clrMapOvr>
+    <a:masterClrMapping/>
+  </p:clrMapOvr>
+</p:sld>
+</file>
+
 <file path=ppt/slides/slide2.xml><?xml version="1.0" encoding="utf-8"?>
 <p:sld xmlns:a="http://schemas.openxmlformats.org/drawingml/2006/main" xmlns:r="http://schemas.openxmlformats.org/officeDocument/2006/relationships" xmlns:p="http://schemas.openxmlformats.org/presentationml/2006/main">
   <p:cSld>
